--- a/IconMaking.pptx
+++ b/IconMaking.pptx
@@ -206,7 +206,7 @@
           <a:p>
             <a:fld id="{40A0BA74-8C42-4F1D-A1F6-0A66BF08E47B}" type="datetimeFigureOut">
               <a:rPr lang="zh-CN" altLang="en-US" smtClean="0"/>
-              <a:t>2017/11/16</a:t>
+              <a:t>2017/11/17</a:t>
             </a:fld>
             <a:endParaRPr lang="zh-CN" altLang="en-US"/>
           </a:p>
@@ -689,7 +689,7 @@
           <a:p>
             <a:fld id="{E76364C4-1C59-4B76-857D-30E892CDC99E}" type="datetimeFigureOut">
               <a:rPr lang="zh-CN" altLang="en-US" smtClean="0"/>
-              <a:t>2017/11/16</a:t>
+              <a:t>2017/11/17</a:t>
             </a:fld>
             <a:endParaRPr lang="zh-CN" altLang="en-US"/>
           </a:p>
@@ -859,7 +859,7 @@
           <a:p>
             <a:fld id="{E76364C4-1C59-4B76-857D-30E892CDC99E}" type="datetimeFigureOut">
               <a:rPr lang="zh-CN" altLang="en-US" smtClean="0"/>
-              <a:t>2017/11/16</a:t>
+              <a:t>2017/11/17</a:t>
             </a:fld>
             <a:endParaRPr lang="zh-CN" altLang="en-US"/>
           </a:p>
@@ -1039,7 +1039,7 @@
           <a:p>
             <a:fld id="{E76364C4-1C59-4B76-857D-30E892CDC99E}" type="datetimeFigureOut">
               <a:rPr lang="zh-CN" altLang="en-US" smtClean="0"/>
-              <a:t>2017/11/16</a:t>
+              <a:t>2017/11/17</a:t>
             </a:fld>
             <a:endParaRPr lang="zh-CN" altLang="en-US"/>
           </a:p>
@@ -1209,7 +1209,7 @@
           <a:p>
             <a:fld id="{E76364C4-1C59-4B76-857D-30E892CDC99E}" type="datetimeFigureOut">
               <a:rPr lang="zh-CN" altLang="en-US" smtClean="0"/>
-              <a:t>2017/11/16</a:t>
+              <a:t>2017/11/17</a:t>
             </a:fld>
             <a:endParaRPr lang="zh-CN" altLang="en-US"/>
           </a:p>
@@ -1453,7 +1453,7 @@
           <a:p>
             <a:fld id="{E76364C4-1C59-4B76-857D-30E892CDC99E}" type="datetimeFigureOut">
               <a:rPr lang="zh-CN" altLang="en-US" smtClean="0"/>
-              <a:t>2017/11/16</a:t>
+              <a:t>2017/11/17</a:t>
             </a:fld>
             <a:endParaRPr lang="zh-CN" altLang="en-US"/>
           </a:p>
@@ -1685,7 +1685,7 @@
           <a:p>
             <a:fld id="{E76364C4-1C59-4B76-857D-30E892CDC99E}" type="datetimeFigureOut">
               <a:rPr lang="zh-CN" altLang="en-US" smtClean="0"/>
-              <a:t>2017/11/16</a:t>
+              <a:t>2017/11/17</a:t>
             </a:fld>
             <a:endParaRPr lang="zh-CN" altLang="en-US"/>
           </a:p>
@@ -2052,7 +2052,7 @@
           <a:p>
             <a:fld id="{E76364C4-1C59-4B76-857D-30E892CDC99E}" type="datetimeFigureOut">
               <a:rPr lang="zh-CN" altLang="en-US" smtClean="0"/>
-              <a:t>2017/11/16</a:t>
+              <a:t>2017/11/17</a:t>
             </a:fld>
             <a:endParaRPr lang="zh-CN" altLang="en-US"/>
           </a:p>
@@ -2170,7 +2170,7 @@
           <a:p>
             <a:fld id="{E76364C4-1C59-4B76-857D-30E892CDC99E}" type="datetimeFigureOut">
               <a:rPr lang="zh-CN" altLang="en-US" smtClean="0"/>
-              <a:t>2017/11/16</a:t>
+              <a:t>2017/11/17</a:t>
             </a:fld>
             <a:endParaRPr lang="zh-CN" altLang="en-US"/>
           </a:p>
@@ -2265,7 +2265,7 @@
           <a:p>
             <a:fld id="{E76364C4-1C59-4B76-857D-30E892CDC99E}" type="datetimeFigureOut">
               <a:rPr lang="zh-CN" altLang="en-US" smtClean="0"/>
-              <a:t>2017/11/16</a:t>
+              <a:t>2017/11/17</a:t>
             </a:fld>
             <a:endParaRPr lang="zh-CN" altLang="en-US"/>
           </a:p>
@@ -2542,7 +2542,7 @@
           <a:p>
             <a:fld id="{E76364C4-1C59-4B76-857D-30E892CDC99E}" type="datetimeFigureOut">
               <a:rPr lang="zh-CN" altLang="en-US" smtClean="0"/>
-              <a:t>2017/11/16</a:t>
+              <a:t>2017/11/17</a:t>
             </a:fld>
             <a:endParaRPr lang="zh-CN" altLang="en-US"/>
           </a:p>
@@ -2799,7 +2799,7 @@
           <a:p>
             <a:fld id="{E76364C4-1C59-4B76-857D-30E892CDC99E}" type="datetimeFigureOut">
               <a:rPr lang="zh-CN" altLang="en-US" smtClean="0"/>
-              <a:t>2017/11/16</a:t>
+              <a:t>2017/11/17</a:t>
             </a:fld>
             <a:endParaRPr lang="zh-CN" altLang="en-US"/>
           </a:p>
@@ -3012,7 +3012,7 @@
           <a:p>
             <a:fld id="{E76364C4-1C59-4B76-857D-30E892CDC99E}" type="datetimeFigureOut">
               <a:rPr lang="zh-CN" altLang="en-US" smtClean="0"/>
-              <a:t>2017/11/16</a:t>
+              <a:t>2017/11/17</a:t>
             </a:fld>
             <a:endParaRPr lang="zh-CN" altLang="en-US"/>
           </a:p>
@@ -9693,10 +9693,7 @@
             <a:avLst/>
           </a:prstGeom>
           <a:solidFill>
-            <a:schemeClr val="tx2">
-              <a:lumMod val="20000"/>
-              <a:lumOff val="80000"/>
-            </a:schemeClr>
+            <a:srgbClr val="FFFF00"/>
           </a:solidFill>
           <a:ln>
             <a:solidFill>

--- a/IconMaking.pptx
+++ b/IconMaking.pptx
@@ -206,7 +206,7 @@
           <a:p>
             <a:fld id="{40A0BA74-8C42-4F1D-A1F6-0A66BF08E47B}" type="datetimeFigureOut">
               <a:rPr lang="zh-CN" altLang="en-US" smtClean="0"/>
-              <a:t>2017/11/17</a:t>
+              <a:t>2017/11/18</a:t>
             </a:fld>
             <a:endParaRPr lang="zh-CN" altLang="en-US"/>
           </a:p>
@@ -689,7 +689,7 @@
           <a:p>
             <a:fld id="{E76364C4-1C59-4B76-857D-30E892CDC99E}" type="datetimeFigureOut">
               <a:rPr lang="zh-CN" altLang="en-US" smtClean="0"/>
-              <a:t>2017/11/17</a:t>
+              <a:t>2017/11/18</a:t>
             </a:fld>
             <a:endParaRPr lang="zh-CN" altLang="en-US"/>
           </a:p>
@@ -859,7 +859,7 @@
           <a:p>
             <a:fld id="{E76364C4-1C59-4B76-857D-30E892CDC99E}" type="datetimeFigureOut">
               <a:rPr lang="zh-CN" altLang="en-US" smtClean="0"/>
-              <a:t>2017/11/17</a:t>
+              <a:t>2017/11/18</a:t>
             </a:fld>
             <a:endParaRPr lang="zh-CN" altLang="en-US"/>
           </a:p>
@@ -1039,7 +1039,7 @@
           <a:p>
             <a:fld id="{E76364C4-1C59-4B76-857D-30E892CDC99E}" type="datetimeFigureOut">
               <a:rPr lang="zh-CN" altLang="en-US" smtClean="0"/>
-              <a:t>2017/11/17</a:t>
+              <a:t>2017/11/18</a:t>
             </a:fld>
             <a:endParaRPr lang="zh-CN" altLang="en-US"/>
           </a:p>
@@ -1209,7 +1209,7 @@
           <a:p>
             <a:fld id="{E76364C4-1C59-4B76-857D-30E892CDC99E}" type="datetimeFigureOut">
               <a:rPr lang="zh-CN" altLang="en-US" smtClean="0"/>
-              <a:t>2017/11/17</a:t>
+              <a:t>2017/11/18</a:t>
             </a:fld>
             <a:endParaRPr lang="zh-CN" altLang="en-US"/>
           </a:p>
@@ -1453,7 +1453,7 @@
           <a:p>
             <a:fld id="{E76364C4-1C59-4B76-857D-30E892CDC99E}" type="datetimeFigureOut">
               <a:rPr lang="zh-CN" altLang="en-US" smtClean="0"/>
-              <a:t>2017/11/17</a:t>
+              <a:t>2017/11/18</a:t>
             </a:fld>
             <a:endParaRPr lang="zh-CN" altLang="en-US"/>
           </a:p>
@@ -1685,7 +1685,7 @@
           <a:p>
             <a:fld id="{E76364C4-1C59-4B76-857D-30E892CDC99E}" type="datetimeFigureOut">
               <a:rPr lang="zh-CN" altLang="en-US" smtClean="0"/>
-              <a:t>2017/11/17</a:t>
+              <a:t>2017/11/18</a:t>
             </a:fld>
             <a:endParaRPr lang="zh-CN" altLang="en-US"/>
           </a:p>
@@ -2052,7 +2052,7 @@
           <a:p>
             <a:fld id="{E76364C4-1C59-4B76-857D-30E892CDC99E}" type="datetimeFigureOut">
               <a:rPr lang="zh-CN" altLang="en-US" smtClean="0"/>
-              <a:t>2017/11/17</a:t>
+              <a:t>2017/11/18</a:t>
             </a:fld>
             <a:endParaRPr lang="zh-CN" altLang="en-US"/>
           </a:p>
@@ -2170,7 +2170,7 @@
           <a:p>
             <a:fld id="{E76364C4-1C59-4B76-857D-30E892CDC99E}" type="datetimeFigureOut">
               <a:rPr lang="zh-CN" altLang="en-US" smtClean="0"/>
-              <a:t>2017/11/17</a:t>
+              <a:t>2017/11/18</a:t>
             </a:fld>
             <a:endParaRPr lang="zh-CN" altLang="en-US"/>
           </a:p>
@@ -2265,7 +2265,7 @@
           <a:p>
             <a:fld id="{E76364C4-1C59-4B76-857D-30E892CDC99E}" type="datetimeFigureOut">
               <a:rPr lang="zh-CN" altLang="en-US" smtClean="0"/>
-              <a:t>2017/11/17</a:t>
+              <a:t>2017/11/18</a:t>
             </a:fld>
             <a:endParaRPr lang="zh-CN" altLang="en-US"/>
           </a:p>
@@ -2542,7 +2542,7 @@
           <a:p>
             <a:fld id="{E76364C4-1C59-4B76-857D-30E892CDC99E}" type="datetimeFigureOut">
               <a:rPr lang="zh-CN" altLang="en-US" smtClean="0"/>
-              <a:t>2017/11/17</a:t>
+              <a:t>2017/11/18</a:t>
             </a:fld>
             <a:endParaRPr lang="zh-CN" altLang="en-US"/>
           </a:p>
@@ -2799,7 +2799,7 @@
           <a:p>
             <a:fld id="{E76364C4-1C59-4B76-857D-30E892CDC99E}" type="datetimeFigureOut">
               <a:rPr lang="zh-CN" altLang="en-US" smtClean="0"/>
-              <a:t>2017/11/17</a:t>
+              <a:t>2017/11/18</a:t>
             </a:fld>
             <a:endParaRPr lang="zh-CN" altLang="en-US"/>
           </a:p>
@@ -3012,7 +3012,7 @@
           <a:p>
             <a:fld id="{E76364C4-1C59-4B76-857D-30E892CDC99E}" type="datetimeFigureOut">
               <a:rPr lang="zh-CN" altLang="en-US" smtClean="0"/>
-              <a:t>2017/11/17</a:t>
+              <a:t>2017/11/18</a:t>
             </a:fld>
             <a:endParaRPr lang="zh-CN" altLang="en-US"/>
           </a:p>
@@ -7378,7 +7378,7 @@
         </p:nvSpPr>
         <p:spPr>
           <a:xfrm>
-            <a:off x="2236726" y="2034754"/>
+            <a:off x="2121533" y="1452864"/>
             <a:ext cx="864000" cy="864000"/>
           </a:xfrm>
           <a:prstGeom prst="ellipse">
@@ -7438,7 +7438,7 @@
         </p:blipFill>
         <p:spPr>
           <a:xfrm>
-            <a:off x="2308726" y="2106754"/>
+            <a:off x="2193533" y="1524864"/>
             <a:ext cx="720000" cy="720000"/>
           </a:xfrm>
           <a:prstGeom prst="rect">
@@ -7468,7 +7468,7 @@
         </p:blipFill>
         <p:spPr>
           <a:xfrm>
-            <a:off x="1034323" y="1602754"/>
+            <a:off x="919130" y="1020864"/>
             <a:ext cx="1080000" cy="1080000"/>
           </a:xfrm>
           <a:prstGeom prst="rect">
@@ -7484,7 +7484,7 @@
         </p:nvSpPr>
         <p:spPr>
           <a:xfrm>
-            <a:off x="2389159" y="919926"/>
+            <a:off x="2273966" y="338036"/>
             <a:ext cx="592802" cy="719219"/>
           </a:xfrm>
           <a:prstGeom prst="roundRect">
@@ -7544,7 +7544,7 @@
         </p:blipFill>
         <p:spPr>
           <a:xfrm>
-            <a:off x="2487560" y="1129554"/>
+            <a:off x="2372367" y="547664"/>
             <a:ext cx="396000" cy="396000"/>
           </a:xfrm>
           <a:prstGeom prst="rect">
@@ -7574,7 +7574,7 @@
         </p:blipFill>
         <p:spPr>
           <a:xfrm flipH="1">
-            <a:off x="3345533" y="1602754"/>
+            <a:off x="3230340" y="1020864"/>
             <a:ext cx="1080000" cy="1080000"/>
           </a:xfrm>
           <a:prstGeom prst="rect">
@@ -7590,7 +7590,7 @@
         </p:nvSpPr>
         <p:spPr>
           <a:xfrm>
-            <a:off x="5872743" y="2034754"/>
+            <a:off x="5757550" y="1452864"/>
             <a:ext cx="864000" cy="864000"/>
           </a:xfrm>
           <a:prstGeom prst="ellipse">
@@ -7648,7 +7648,7 @@
         </p:blipFill>
         <p:spPr>
           <a:xfrm>
-            <a:off x="5944743" y="2106754"/>
+            <a:off x="5829550" y="1524864"/>
             <a:ext cx="720000" cy="720000"/>
           </a:xfrm>
           <a:prstGeom prst="rect">
@@ -7685,7 +7685,7 @@
         </p:blipFill>
         <p:spPr>
           <a:xfrm>
-            <a:off x="4670340" y="1602754"/>
+            <a:off x="4555147" y="1020864"/>
             <a:ext cx="1080000" cy="1080000"/>
           </a:xfrm>
           <a:prstGeom prst="rect">
@@ -7701,7 +7701,7 @@
         </p:nvSpPr>
         <p:spPr>
           <a:xfrm>
-            <a:off x="6025176" y="919926"/>
+            <a:off x="5909983" y="338036"/>
             <a:ext cx="592802" cy="719219"/>
           </a:xfrm>
           <a:prstGeom prst="roundRect">
@@ -7763,7 +7763,7 @@
         </p:blipFill>
         <p:spPr>
           <a:xfrm>
-            <a:off x="6123577" y="1129554"/>
+            <a:off x="6008384" y="547664"/>
             <a:ext cx="396000" cy="396000"/>
           </a:xfrm>
           <a:prstGeom prst="rect">
@@ -7800,7 +7800,7 @@
         </p:blipFill>
         <p:spPr>
           <a:xfrm flipH="1">
-            <a:off x="6981550" y="1602754"/>
+            <a:off x="6866357" y="1020864"/>
             <a:ext cx="1080000" cy="1080000"/>
           </a:xfrm>
           <a:prstGeom prst="rect">
@@ -7810,22 +7810,24 @@
       </p:pic>
       <p:sp>
         <p:nvSpPr>
-          <p:cNvPr id="21" name="Rounded Rectangle 20"/>
+          <p:cNvPr id="2" name="Oval 1"/>
           <p:cNvSpPr/>
           <p:nvPr/>
         </p:nvSpPr>
         <p:spPr>
           <a:xfrm>
-            <a:off x="6123577" y="4070087"/>
-            <a:ext cx="1584803" cy="494774"/>
-          </a:xfrm>
-          <a:prstGeom prst="roundRect">
+            <a:off x="754900" y="3241963"/>
+            <a:ext cx="900000" cy="900000"/>
+          </a:xfrm>
+          <a:prstGeom prst="ellipse">
             <a:avLst/>
           </a:prstGeom>
           <a:solidFill>
-            <a:srgbClr val="FFFF00"/>
+            <a:srgbClr val="2C2C2C"/>
           </a:solidFill>
-          <a:ln w="28575"/>
+          <a:ln>
+            <a:noFill/>
+          </a:ln>
         </p:spPr>
         <p:style>
           <a:lnRef idx="2">
@@ -7848,100 +7850,42 @@
           <a:lstStyle/>
           <a:p>
             <a:pPr algn="ctr"/>
-            <a:endParaRPr lang="zh-CN" altLang="en-US"/>
-          </a:p>
-        </p:txBody>
-      </p:sp>
-      <p:sp>
-        <p:nvSpPr>
-          <p:cNvPr id="22" name="Rectangle 21"/>
-          <p:cNvSpPr/>
-          <p:nvPr/>
-        </p:nvSpPr>
-        <p:spPr>
-          <a:xfrm>
-            <a:off x="6529814" y="4149233"/>
-            <a:ext cx="1141543" cy="369332"/>
-          </a:xfrm>
-          <a:prstGeom prst="rect">
-            <a:avLst/>
-          </a:prstGeom>
-        </p:spPr>
-        <p:txBody>
-          <a:bodyPr wrap="square">
-            <a:spAutoFit/>
-          </a:bodyPr>
-          <a:lstStyle/>
-          <a:p>
-            <a:pPr algn="ctr"/>
             <a:r>
-              <a:rPr lang="zh-CN" altLang="en-US" b="1" dirty="0" smtClean="0">
+              <a:rPr lang="en-US" altLang="zh-CN" sz="4400" dirty="0" smtClean="0">
                 <a:solidFill>
-                  <a:schemeClr val="tx2">
-                    <a:lumMod val="75000"/>
-                  </a:schemeClr>
+                  <a:schemeClr val="bg1"/>
                 </a:solidFill>
               </a:rPr>
-              <a:t>连接断开</a:t>
+              <a:t>A</a:t>
             </a:r>
-            <a:endParaRPr lang="zh-CN" altLang="en-US" b="1" dirty="0">
+            <a:endParaRPr lang="zh-CN" altLang="en-US" sz="4400" dirty="0">
               <a:solidFill>
-                <a:schemeClr val="tx2">
-                  <a:lumMod val="75000"/>
-                </a:schemeClr>
+                <a:schemeClr val="bg1"/>
               </a:solidFill>
             </a:endParaRPr>
           </a:p>
         </p:txBody>
       </p:sp>
-      <p:pic>
-        <p:nvPicPr>
-          <p:cNvPr id="23" name="Picture 22"/>
-          <p:cNvPicPr>
-            <a:picLocks noChangeAspect="1"/>
-          </p:cNvPicPr>
-          <p:nvPr/>
-        </p:nvPicPr>
-        <p:blipFill>
-          <a:blip r:embed="rId6" cstate="print">
-            <a:extLst>
-              <a:ext uri="{28A0092B-C50C-407E-A947-70E740481C1C}">
-                <a14:useLocalDpi xmlns:a14="http://schemas.microsoft.com/office/drawing/2010/main" val="0"/>
-              </a:ext>
-            </a:extLst>
-          </a:blip>
-          <a:stretch>
-            <a:fillRect/>
-          </a:stretch>
-        </p:blipFill>
-        <p:spPr>
-          <a:xfrm>
-            <a:off x="6141569" y="4102416"/>
-            <a:ext cx="531877" cy="531877"/>
-          </a:xfrm>
-          <a:prstGeom prst="rect">
-            <a:avLst/>
-          </a:prstGeom>
-        </p:spPr>
-      </p:pic>
-      <p:sp>
-        <p:nvSpPr>
-          <p:cNvPr id="24" name="Rounded Rectangle 23"/>
+      <p:sp>
+        <p:nvSpPr>
+          <p:cNvPr id="29" name="Oval 28"/>
           <p:cNvSpPr/>
           <p:nvPr/>
         </p:nvSpPr>
         <p:spPr>
           <a:xfrm>
-            <a:off x="6131950" y="4735791"/>
-            <a:ext cx="1584803" cy="494774"/>
-          </a:xfrm>
-          <a:prstGeom prst="roundRect">
+            <a:off x="2085533" y="3241963"/>
+            <a:ext cx="900000" cy="900000"/>
+          </a:xfrm>
+          <a:prstGeom prst="ellipse">
             <a:avLst/>
           </a:prstGeom>
           <a:solidFill>
-            <a:srgbClr val="00B050"/>
+            <a:srgbClr val="B2B1B1"/>
           </a:solidFill>
-          <a:ln w="28575"/>
+          <a:ln>
+            <a:noFill/>
+          </a:ln>
         </p:spPr>
         <p:style>
           <a:lnRef idx="2">
@@ -7964,79 +7908,389 @@
           <a:lstStyle/>
           <a:p>
             <a:pPr algn="ctr"/>
-            <a:endParaRPr lang="zh-CN" altLang="en-US"/>
-          </a:p>
-        </p:txBody>
-      </p:sp>
-      <p:pic>
-        <p:nvPicPr>
-          <p:cNvPr id="25" name="Picture 24"/>
-          <p:cNvPicPr>
-            <a:picLocks noChangeAspect="1"/>
-          </p:cNvPicPr>
-          <p:nvPr/>
-        </p:nvPicPr>
-        <p:blipFill>
-          <a:blip r:embed="rId7" cstate="print">
-            <a:extLst>
-              <a:ext uri="{28A0092B-C50C-407E-A947-70E740481C1C}">
-                <a14:useLocalDpi xmlns:a14="http://schemas.microsoft.com/office/drawing/2010/main" val="0"/>
-              </a:ext>
-            </a:extLst>
-          </a:blip>
-          <a:stretch>
-            <a:fillRect/>
-          </a:stretch>
-        </p:blipFill>
-        <p:spPr>
-          <a:xfrm>
-            <a:off x="6123577" y="4713439"/>
-            <a:ext cx="566634" cy="566634"/>
-          </a:xfrm>
-          <a:prstGeom prst="rect">
-            <a:avLst/>
-          </a:prstGeom>
-        </p:spPr>
-      </p:pic>
-      <p:sp>
-        <p:nvSpPr>
-          <p:cNvPr id="26" name="Rectangle 25"/>
+            <a:r>
+              <a:rPr lang="en-US" altLang="zh-CN" sz="4400" dirty="0">
+                <a:solidFill>
+                  <a:schemeClr val="bg1"/>
+                </a:solidFill>
+              </a:rPr>
+              <a:t>A</a:t>
+            </a:r>
+            <a:endParaRPr lang="zh-CN" altLang="en-US" sz="4400" dirty="0">
+              <a:solidFill>
+                <a:schemeClr val="bg1"/>
+              </a:solidFill>
+            </a:endParaRPr>
+          </a:p>
+        </p:txBody>
+      </p:sp>
+      <p:sp>
+        <p:nvSpPr>
+          <p:cNvPr id="30" name="Oval 29"/>
           <p:cNvSpPr/>
           <p:nvPr/>
         </p:nvSpPr>
         <p:spPr>
           <a:xfrm>
-            <a:off x="6538187" y="4814937"/>
-            <a:ext cx="1141543" cy="369332"/>
-          </a:xfrm>
-          <a:prstGeom prst="rect">
-            <a:avLst/>
-          </a:prstGeom>
-        </p:spPr>
-        <p:txBody>
-          <a:bodyPr wrap="square">
-            <a:spAutoFit/>
-          </a:bodyPr>
+            <a:off x="754900" y="4383062"/>
+            <a:ext cx="900000" cy="900000"/>
+          </a:xfrm>
+          <a:prstGeom prst="ellipse">
+            <a:avLst/>
+          </a:prstGeom>
+          <a:solidFill>
+            <a:srgbClr val="2C2C2C"/>
+          </a:solidFill>
+          <a:ln>
+            <a:noFill/>
+          </a:ln>
+        </p:spPr>
+        <p:style>
+          <a:lnRef idx="2">
+            <a:schemeClr val="accent1">
+              <a:shade val="50000"/>
+            </a:schemeClr>
+          </a:lnRef>
+          <a:fillRef idx="1">
+            <a:schemeClr val="accent1"/>
+          </a:fillRef>
+          <a:effectRef idx="0">
+            <a:schemeClr val="accent1"/>
+          </a:effectRef>
+          <a:fontRef idx="minor">
+            <a:schemeClr val="lt1"/>
+          </a:fontRef>
+        </p:style>
+        <p:txBody>
+          <a:bodyPr rtlCol="0" anchor="ctr"/>
           <a:lstStyle/>
           <a:p>
             <a:pPr algn="ctr"/>
             <a:r>
-              <a:rPr lang="zh-CN" altLang="en-US" b="1" dirty="0" smtClean="0">
+              <a:rPr lang="en-US" altLang="zh-CN" sz="4400" dirty="0" smtClean="0">
                 <a:solidFill>
-                  <a:schemeClr val="tx2">
-                    <a:lumMod val="75000"/>
-                  </a:schemeClr>
+                  <a:schemeClr val="bg1"/>
                 </a:solidFill>
               </a:rPr>
-              <a:t>连接正常</a:t>
+              <a:t>B</a:t>
             </a:r>
-            <a:endParaRPr lang="zh-CN" altLang="en-US" b="1" dirty="0">
+            <a:endParaRPr lang="zh-CN" altLang="en-US" sz="4400" dirty="0">
               <a:solidFill>
-                <a:schemeClr val="tx2">
-                  <a:lumMod val="75000"/>
-                </a:schemeClr>
+                <a:schemeClr val="bg1"/>
               </a:solidFill>
             </a:endParaRPr>
+          </a:p>
+        </p:txBody>
+      </p:sp>
+      <p:sp>
+        <p:nvSpPr>
+          <p:cNvPr id="31" name="Oval 30"/>
+          <p:cNvSpPr/>
+          <p:nvPr/>
+        </p:nvSpPr>
+        <p:spPr>
+          <a:xfrm>
+            <a:off x="2085533" y="4383062"/>
+            <a:ext cx="900000" cy="900000"/>
+          </a:xfrm>
+          <a:prstGeom prst="ellipse">
+            <a:avLst/>
+          </a:prstGeom>
+          <a:solidFill>
+            <a:srgbClr val="B2B1B1"/>
+          </a:solidFill>
+          <a:ln>
+            <a:noFill/>
+          </a:ln>
+        </p:spPr>
+        <p:style>
+          <a:lnRef idx="2">
+            <a:schemeClr val="accent1">
+              <a:shade val="50000"/>
+            </a:schemeClr>
+          </a:lnRef>
+          <a:fillRef idx="1">
+            <a:schemeClr val="accent1"/>
+          </a:fillRef>
+          <a:effectRef idx="0">
+            <a:schemeClr val="accent1"/>
+          </a:effectRef>
+          <a:fontRef idx="minor">
+            <a:schemeClr val="lt1"/>
+          </a:fontRef>
+        </p:style>
+        <p:txBody>
+          <a:bodyPr rtlCol="0" anchor="ctr"/>
+          <a:lstStyle/>
+          <a:p>
+            <a:pPr algn="ctr"/>
+            <a:r>
+              <a:rPr lang="en-US" altLang="zh-CN" sz="4400" dirty="0" smtClean="0">
+                <a:solidFill>
+                  <a:schemeClr val="bg1"/>
+                </a:solidFill>
+              </a:rPr>
+              <a:t>B</a:t>
+            </a:r>
+            <a:endParaRPr lang="zh-CN" altLang="en-US" sz="4400" dirty="0">
+              <a:solidFill>
+                <a:schemeClr val="bg1"/>
+              </a:solidFill>
+            </a:endParaRPr>
+          </a:p>
+        </p:txBody>
+      </p:sp>
+      <p:sp>
+        <p:nvSpPr>
+          <p:cNvPr id="36" name="Oval 35"/>
+          <p:cNvSpPr/>
+          <p:nvPr/>
+        </p:nvSpPr>
+        <p:spPr>
+          <a:xfrm>
+            <a:off x="3513053" y="3574472"/>
+            <a:ext cx="1164697" cy="683353"/>
+          </a:xfrm>
+          <a:prstGeom prst="ellipse">
+            <a:avLst/>
+          </a:prstGeom>
+          <a:solidFill>
+            <a:srgbClr val="2C2C2C"/>
+          </a:solidFill>
+          <a:ln>
+            <a:noFill/>
+          </a:ln>
+        </p:spPr>
+        <p:style>
+          <a:lnRef idx="2">
+            <a:schemeClr val="accent1">
+              <a:shade val="50000"/>
+            </a:schemeClr>
+          </a:lnRef>
+          <a:fillRef idx="1">
+            <a:schemeClr val="accent1"/>
+          </a:fillRef>
+          <a:effectRef idx="0">
+            <a:schemeClr val="accent1"/>
+          </a:effectRef>
+          <a:fontRef idx="minor">
+            <a:schemeClr val="lt1"/>
+          </a:fontRef>
+        </p:style>
+        <p:txBody>
+          <a:bodyPr rtlCol="0" anchor="ctr"/>
+          <a:lstStyle/>
+          <a:p>
+            <a:pPr algn="ctr"/>
+            <a:r>
+              <a:rPr lang="zh-CN" altLang="en-US" sz="2400" dirty="0" smtClean="0">
+                <a:solidFill>
+                  <a:schemeClr val="bg1"/>
+                </a:solidFill>
+              </a:rPr>
+              <a:t>启动</a:t>
+            </a:r>
+            <a:endParaRPr lang="zh-CN" altLang="en-US" sz="2400" dirty="0">
+              <a:solidFill>
+                <a:schemeClr val="bg1"/>
+              </a:solidFill>
+            </a:endParaRPr>
+          </a:p>
+        </p:txBody>
+      </p:sp>
+      <p:sp>
+        <p:nvSpPr>
+          <p:cNvPr id="39" name="Oval 38"/>
+          <p:cNvSpPr/>
+          <p:nvPr/>
+        </p:nvSpPr>
+        <p:spPr>
+          <a:xfrm>
+            <a:off x="3513052" y="4373893"/>
+            <a:ext cx="1164697" cy="683353"/>
+          </a:xfrm>
+          <a:prstGeom prst="ellipse">
+            <a:avLst/>
+          </a:prstGeom>
+          <a:solidFill>
+            <a:srgbClr val="2C2C2C"/>
+          </a:solidFill>
+          <a:ln>
+            <a:noFill/>
+          </a:ln>
+        </p:spPr>
+        <p:style>
+          <a:lnRef idx="2">
+            <a:schemeClr val="accent1">
+              <a:shade val="50000"/>
+            </a:schemeClr>
+          </a:lnRef>
+          <a:fillRef idx="1">
+            <a:schemeClr val="accent1"/>
+          </a:fillRef>
+          <a:effectRef idx="0">
+            <a:schemeClr val="accent1"/>
+          </a:effectRef>
+          <a:fontRef idx="minor">
+            <a:schemeClr val="lt1"/>
+          </a:fontRef>
+        </p:style>
+        <p:txBody>
+          <a:bodyPr rtlCol="0" anchor="ctr"/>
+          <a:lstStyle/>
+          <a:p>
+            <a:pPr algn="ctr"/>
+            <a:r>
+              <a:rPr lang="zh-CN" altLang="en-US" dirty="0" smtClean="0">
+                <a:solidFill>
+                  <a:schemeClr val="bg1"/>
+                </a:solidFill>
+              </a:rPr>
+              <a:t>历史</a:t>
+            </a:r>
+            <a:r>
+              <a:rPr lang="en-US" altLang="zh-CN" dirty="0" smtClean="0">
+                <a:solidFill>
+                  <a:schemeClr val="bg1"/>
+                </a:solidFill>
+              </a:rPr>
+              <a:t>AB</a:t>
+            </a:r>
+            <a:r>
+              <a:rPr lang="zh-CN" altLang="en-US" dirty="0" smtClean="0">
+                <a:solidFill>
+                  <a:schemeClr val="bg1"/>
+                </a:solidFill>
+              </a:rPr>
+              <a:t>线</a:t>
+            </a:r>
+            <a:endParaRPr lang="zh-CN" altLang="en-US" dirty="0">
+              <a:solidFill>
+                <a:schemeClr val="bg1"/>
+              </a:solidFill>
+            </a:endParaRPr>
+          </a:p>
+        </p:txBody>
+      </p:sp>
+      <p:sp>
+        <p:nvSpPr>
+          <p:cNvPr id="40" name="Oval 39"/>
+          <p:cNvSpPr/>
+          <p:nvPr/>
+        </p:nvSpPr>
+        <p:spPr>
+          <a:xfrm>
+            <a:off x="4843687" y="4373893"/>
+            <a:ext cx="1164697" cy="683353"/>
+          </a:xfrm>
+          <a:prstGeom prst="ellipse">
+            <a:avLst/>
+          </a:prstGeom>
+          <a:solidFill>
+            <a:srgbClr val="B2B1B1"/>
+          </a:solidFill>
+          <a:ln>
+            <a:noFill/>
+          </a:ln>
+        </p:spPr>
+        <p:style>
+          <a:lnRef idx="2">
+            <a:schemeClr val="accent1">
+              <a:shade val="50000"/>
+            </a:schemeClr>
+          </a:lnRef>
+          <a:fillRef idx="1">
+            <a:schemeClr val="accent1"/>
+          </a:fillRef>
+          <a:effectRef idx="0">
+            <a:schemeClr val="accent1"/>
+          </a:effectRef>
+          <a:fontRef idx="minor">
+            <a:schemeClr val="lt1"/>
+          </a:fontRef>
+        </p:style>
+        <p:txBody>
+          <a:bodyPr rtlCol="0" anchor="ctr"/>
+          <a:lstStyle/>
+          <a:p>
+            <a:pPr algn="ctr"/>
+            <a:r>
+              <a:rPr lang="zh-CN" altLang="en-US" dirty="0">
+                <a:solidFill>
+                  <a:schemeClr val="bg1"/>
+                </a:solidFill>
+              </a:rPr>
+              <a:t>历史</a:t>
+            </a:r>
+            <a:r>
+              <a:rPr lang="en-US" altLang="zh-CN" dirty="0">
+                <a:solidFill>
+                  <a:schemeClr val="bg1"/>
+                </a:solidFill>
+              </a:rPr>
+              <a:t>AB</a:t>
+            </a:r>
+            <a:r>
+              <a:rPr lang="zh-CN" altLang="en-US" dirty="0">
+                <a:solidFill>
+                  <a:schemeClr val="bg1"/>
+                </a:solidFill>
+              </a:rPr>
+              <a:t>线</a:t>
+            </a:r>
+          </a:p>
+        </p:txBody>
+      </p:sp>
+      <p:sp>
+        <p:nvSpPr>
+          <p:cNvPr id="41" name="Oval 40"/>
+          <p:cNvSpPr/>
+          <p:nvPr/>
+        </p:nvSpPr>
+        <p:spPr>
+          <a:xfrm>
+            <a:off x="4843687" y="3605744"/>
+            <a:ext cx="1164697" cy="683353"/>
+          </a:xfrm>
+          <a:prstGeom prst="ellipse">
+            <a:avLst/>
+          </a:prstGeom>
+          <a:solidFill>
+            <a:srgbClr val="B2B1B1"/>
+          </a:solidFill>
+          <a:ln>
+            <a:noFill/>
+          </a:ln>
+        </p:spPr>
+        <p:style>
+          <a:lnRef idx="2">
+            <a:schemeClr val="accent1">
+              <a:shade val="50000"/>
+            </a:schemeClr>
+          </a:lnRef>
+          <a:fillRef idx="1">
+            <a:schemeClr val="accent1"/>
+          </a:fillRef>
+          <a:effectRef idx="0">
+            <a:schemeClr val="accent1"/>
+          </a:effectRef>
+          <a:fontRef idx="minor">
+            <a:schemeClr val="lt1"/>
+          </a:fontRef>
+        </p:style>
+        <p:txBody>
+          <a:bodyPr rtlCol="0" anchor="ctr"/>
+          <a:lstStyle/>
+          <a:p>
+            <a:pPr algn="ctr"/>
+            <a:r>
+              <a:rPr lang="zh-CN" altLang="en-US" sz="2400" dirty="0">
+                <a:solidFill>
+                  <a:schemeClr val="bg1"/>
+                </a:solidFill>
+              </a:rPr>
+              <a:t>停止</a:t>
+            </a:r>
           </a:p>
         </p:txBody>
       </p:sp>
@@ -8960,7 +9214,7 @@
         </p:nvSpPr>
         <p:spPr>
           <a:xfrm>
-            <a:off x="3459018" y="696120"/>
+            <a:off x="1907309" y="696120"/>
             <a:ext cx="999067" cy="937947"/>
           </a:xfrm>
           <a:prstGeom prst="rect">
@@ -9008,7 +9262,7 @@
         </p:nvSpPr>
         <p:spPr>
           <a:xfrm>
-            <a:off x="3459129" y="1634067"/>
+            <a:off x="1907420" y="1634067"/>
             <a:ext cx="999067" cy="937947"/>
           </a:xfrm>
           <a:prstGeom prst="rect">
@@ -9056,7 +9310,7 @@
         </p:nvSpPr>
         <p:spPr>
           <a:xfrm>
-            <a:off x="3459019" y="3509961"/>
+            <a:off x="1907310" y="3509961"/>
             <a:ext cx="999067" cy="937947"/>
           </a:xfrm>
           <a:prstGeom prst="rect">
@@ -9118,7 +9372,7 @@
         </p:blipFill>
         <p:spPr>
           <a:xfrm>
-            <a:off x="3633044" y="839590"/>
+            <a:off x="2081335" y="839590"/>
             <a:ext cx="651006" cy="651006"/>
           </a:xfrm>
           <a:prstGeom prst="rect">
@@ -9134,7 +9388,7 @@
         </p:nvSpPr>
         <p:spPr>
           <a:xfrm>
-            <a:off x="3507696" y="2131749"/>
+            <a:off x="1955987" y="2131749"/>
             <a:ext cx="356188" cy="400110"/>
           </a:xfrm>
           <a:prstGeom prst="rect">
@@ -9176,7 +9430,7 @@
         </p:nvSpPr>
         <p:spPr>
           <a:xfrm>
-            <a:off x="4103852" y="1638649"/>
+            <a:off x="2552143" y="1638649"/>
             <a:ext cx="322478" cy="338554"/>
           </a:xfrm>
           <a:prstGeom prst="rect">
@@ -9218,7 +9472,7 @@
         </p:nvCxnSpPr>
         <p:spPr>
           <a:xfrm flipV="1">
-            <a:off x="3760370" y="1811578"/>
+            <a:off x="2208661" y="1811578"/>
             <a:ext cx="418316" cy="494332"/>
           </a:xfrm>
           <a:prstGeom prst="line">
@@ -9269,7 +9523,7 @@
         </p:blipFill>
         <p:spPr>
           <a:xfrm>
-            <a:off x="3629483" y="1728378"/>
+            <a:off x="2077774" y="1728378"/>
             <a:ext cx="369005" cy="441578"/>
           </a:xfrm>
           <a:prstGeom prst="rect">
@@ -9285,7 +9539,7 @@
         </p:nvSpPr>
         <p:spPr>
           <a:xfrm>
-            <a:off x="3896921" y="2000741"/>
+            <a:off x="2345212" y="2000741"/>
             <a:ext cx="387129" cy="369926"/>
           </a:xfrm>
           <a:custGeom>
@@ -9614,7 +9868,7 @@
         </p:blipFill>
         <p:spPr>
           <a:xfrm>
-            <a:off x="3459019" y="2583451"/>
+            <a:off x="1907310" y="2583451"/>
             <a:ext cx="999066" cy="926510"/>
           </a:xfrm>
           <a:prstGeom prst="rect">
@@ -9638,7 +9892,7 @@
         </p:nvSpPr>
         <p:spPr>
           <a:xfrm>
-            <a:off x="3459019" y="4438794"/>
+            <a:off x="1907310" y="4438794"/>
             <a:ext cx="999067" cy="937947"/>
           </a:xfrm>
           <a:prstGeom prst="rect">
@@ -9686,7 +9940,7 @@
         </p:nvSpPr>
         <p:spPr>
           <a:xfrm>
-            <a:off x="3459019" y="5387085"/>
+            <a:off x="1907310" y="5387085"/>
             <a:ext cx="999067" cy="937947"/>
           </a:xfrm>
           <a:prstGeom prst="rect">
@@ -9748,7 +10002,7 @@
         </p:blipFill>
         <p:spPr>
           <a:xfrm>
-            <a:off x="3550030" y="5447142"/>
+            <a:off x="1998321" y="5447142"/>
             <a:ext cx="828000" cy="828000"/>
           </a:xfrm>
           <a:prstGeom prst="rect">
@@ -9786,7 +10040,7 @@
         </p:blipFill>
         <p:spPr>
           <a:xfrm>
-            <a:off x="3636415" y="3672018"/>
+            <a:off x="2084706" y="3672018"/>
             <a:ext cx="613832" cy="613832"/>
           </a:xfrm>
           <a:prstGeom prst="rect">
@@ -9816,7 +10070,7 @@
         </p:blipFill>
         <p:spPr>
           <a:xfrm>
-            <a:off x="3600184" y="4534282"/>
+            <a:off x="2048475" y="4534282"/>
             <a:ext cx="709415" cy="709415"/>
           </a:xfrm>
           <a:prstGeom prst="rect">
@@ -9824,6 +10078,400 @@
           </a:prstGeom>
         </p:spPr>
       </p:pic>
+      <p:sp>
+        <p:nvSpPr>
+          <p:cNvPr id="34" name="Oval 33"/>
+          <p:cNvSpPr/>
+          <p:nvPr/>
+        </p:nvSpPr>
+        <p:spPr>
+          <a:xfrm>
+            <a:off x="5875615" y="2789961"/>
+            <a:ext cx="720000" cy="720000"/>
+          </a:xfrm>
+          <a:prstGeom prst="ellipse">
+            <a:avLst/>
+          </a:prstGeom>
+          <a:solidFill>
+            <a:schemeClr val="accent5">
+              <a:lumMod val="60000"/>
+              <a:lumOff val="40000"/>
+            </a:schemeClr>
+          </a:solidFill>
+          <a:ln w="38100">
+            <a:solidFill>
+              <a:srgbClr val="FF0000"/>
+            </a:solidFill>
+          </a:ln>
+        </p:spPr>
+        <p:style>
+          <a:lnRef idx="2">
+            <a:schemeClr val="accent1">
+              <a:shade val="50000"/>
+            </a:schemeClr>
+          </a:lnRef>
+          <a:fillRef idx="1">
+            <a:schemeClr val="accent1"/>
+          </a:fillRef>
+          <a:effectRef idx="0">
+            <a:schemeClr val="accent1"/>
+          </a:effectRef>
+          <a:fontRef idx="minor">
+            <a:schemeClr val="lt1"/>
+          </a:fontRef>
+        </p:style>
+        <p:txBody>
+          <a:bodyPr rtlCol="0" anchor="ctr"/>
+          <a:lstStyle/>
+          <a:p>
+            <a:pPr algn="ctr"/>
+            <a:endParaRPr lang="zh-CN" altLang="en-US"/>
+          </a:p>
+        </p:txBody>
+      </p:sp>
+      <p:pic>
+        <p:nvPicPr>
+          <p:cNvPr id="35" name="Picture 34"/>
+          <p:cNvPicPr>
+            <a:picLocks noChangeAspect="1"/>
+          </p:cNvPicPr>
+          <p:nvPr/>
+        </p:nvPicPr>
+        <p:blipFill>
+          <a:blip r:embed="rId8" cstate="print">
+            <a:extLst>
+              <a:ext uri="{28A0092B-C50C-407E-A947-70E740481C1C}">
+                <a14:useLocalDpi xmlns:a14="http://schemas.microsoft.com/office/drawing/2010/main" val="0"/>
+              </a:ext>
+            </a:extLst>
+          </a:blip>
+          <a:stretch>
+            <a:fillRect/>
+          </a:stretch>
+        </p:blipFill>
+        <p:spPr>
+          <a:xfrm>
+            <a:off x="5933043" y="2853958"/>
+            <a:ext cx="605144" cy="605144"/>
+          </a:xfrm>
+          <a:prstGeom prst="rect">
+            <a:avLst/>
+          </a:prstGeom>
+        </p:spPr>
+      </p:pic>
+      <p:sp>
+        <p:nvSpPr>
+          <p:cNvPr id="36" name="Oval 35"/>
+          <p:cNvSpPr/>
+          <p:nvPr/>
+        </p:nvSpPr>
+        <p:spPr>
+          <a:xfrm>
+            <a:off x="6860498" y="2789961"/>
+            <a:ext cx="720000" cy="720000"/>
+          </a:xfrm>
+          <a:prstGeom prst="ellipse">
+            <a:avLst/>
+          </a:prstGeom>
+          <a:solidFill>
+            <a:srgbClr val="FFFF00"/>
+          </a:solidFill>
+          <a:ln w="38100">
+            <a:solidFill>
+              <a:srgbClr val="FF0000"/>
+            </a:solidFill>
+          </a:ln>
+        </p:spPr>
+        <p:style>
+          <a:lnRef idx="2">
+            <a:schemeClr val="accent1">
+              <a:shade val="50000"/>
+            </a:schemeClr>
+          </a:lnRef>
+          <a:fillRef idx="1">
+            <a:schemeClr val="accent1"/>
+          </a:fillRef>
+          <a:effectRef idx="0">
+            <a:schemeClr val="accent1"/>
+          </a:effectRef>
+          <a:fontRef idx="minor">
+            <a:schemeClr val="lt1"/>
+          </a:fontRef>
+        </p:style>
+        <p:txBody>
+          <a:bodyPr rtlCol="0" anchor="ctr"/>
+          <a:lstStyle/>
+          <a:p>
+            <a:pPr algn="ctr"/>
+            <a:endParaRPr lang="zh-CN" altLang="en-US"/>
+          </a:p>
+        </p:txBody>
+      </p:sp>
+      <p:pic>
+        <p:nvPicPr>
+          <p:cNvPr id="37" name="Picture 36"/>
+          <p:cNvPicPr>
+            <a:picLocks noChangeAspect="1"/>
+          </p:cNvPicPr>
+          <p:nvPr/>
+        </p:nvPicPr>
+        <p:blipFill>
+          <a:blip r:embed="rId8" cstate="print">
+            <a:extLst>
+              <a:ext uri="{28A0092B-C50C-407E-A947-70E740481C1C}">
+                <a14:useLocalDpi xmlns:a14="http://schemas.microsoft.com/office/drawing/2010/main" val="0"/>
+              </a:ext>
+            </a:extLst>
+          </a:blip>
+          <a:stretch>
+            <a:fillRect/>
+          </a:stretch>
+        </p:blipFill>
+        <p:spPr>
+          <a:xfrm>
+            <a:off x="6917926" y="2853958"/>
+            <a:ext cx="605144" cy="605144"/>
+          </a:xfrm>
+          <a:prstGeom prst="rect">
+            <a:avLst/>
+          </a:prstGeom>
+        </p:spPr>
+      </p:pic>
+      <p:sp>
+        <p:nvSpPr>
+          <p:cNvPr id="38" name="Rounded Rectangle 37"/>
+          <p:cNvSpPr/>
+          <p:nvPr/>
+        </p:nvSpPr>
+        <p:spPr>
+          <a:xfrm>
+            <a:off x="5933043" y="4140526"/>
+            <a:ext cx="1584803" cy="494774"/>
+          </a:xfrm>
+          <a:prstGeom prst="roundRect">
+            <a:avLst/>
+          </a:prstGeom>
+          <a:solidFill>
+            <a:srgbClr val="FFFF00"/>
+          </a:solidFill>
+          <a:ln w="28575"/>
+        </p:spPr>
+        <p:style>
+          <a:lnRef idx="2">
+            <a:schemeClr val="accent1">
+              <a:shade val="50000"/>
+            </a:schemeClr>
+          </a:lnRef>
+          <a:fillRef idx="1">
+            <a:schemeClr val="accent1"/>
+          </a:fillRef>
+          <a:effectRef idx="0">
+            <a:schemeClr val="accent1"/>
+          </a:effectRef>
+          <a:fontRef idx="minor">
+            <a:schemeClr val="lt1"/>
+          </a:fontRef>
+        </p:style>
+        <p:txBody>
+          <a:bodyPr rtlCol="0" anchor="ctr"/>
+          <a:lstStyle/>
+          <a:p>
+            <a:pPr algn="ctr"/>
+            <a:endParaRPr lang="zh-CN" altLang="en-US"/>
+          </a:p>
+        </p:txBody>
+      </p:sp>
+      <p:sp>
+        <p:nvSpPr>
+          <p:cNvPr id="39" name="Rectangle 38"/>
+          <p:cNvSpPr/>
+          <p:nvPr/>
+        </p:nvSpPr>
+        <p:spPr>
+          <a:xfrm>
+            <a:off x="6339280" y="4219672"/>
+            <a:ext cx="1141543" cy="369332"/>
+          </a:xfrm>
+          <a:prstGeom prst="rect">
+            <a:avLst/>
+          </a:prstGeom>
+        </p:spPr>
+        <p:txBody>
+          <a:bodyPr wrap="square">
+            <a:spAutoFit/>
+          </a:bodyPr>
+          <a:lstStyle/>
+          <a:p>
+            <a:pPr algn="ctr"/>
+            <a:r>
+              <a:rPr lang="zh-CN" altLang="en-US" b="1" dirty="0" smtClean="0">
+                <a:solidFill>
+                  <a:schemeClr val="tx2">
+                    <a:lumMod val="75000"/>
+                  </a:schemeClr>
+                </a:solidFill>
+              </a:rPr>
+              <a:t>连接断开</a:t>
+            </a:r>
+            <a:endParaRPr lang="zh-CN" altLang="en-US" b="1" dirty="0">
+              <a:solidFill>
+                <a:schemeClr val="tx2">
+                  <a:lumMod val="75000"/>
+                </a:schemeClr>
+              </a:solidFill>
+            </a:endParaRPr>
+          </a:p>
+        </p:txBody>
+      </p:sp>
+      <p:pic>
+        <p:nvPicPr>
+          <p:cNvPr id="40" name="Picture 39"/>
+          <p:cNvPicPr>
+            <a:picLocks noChangeAspect="1"/>
+          </p:cNvPicPr>
+          <p:nvPr/>
+        </p:nvPicPr>
+        <p:blipFill>
+          <a:blip r:embed="rId9" cstate="print">
+            <a:extLst>
+              <a:ext uri="{28A0092B-C50C-407E-A947-70E740481C1C}">
+                <a14:useLocalDpi xmlns:a14="http://schemas.microsoft.com/office/drawing/2010/main" val="0"/>
+              </a:ext>
+            </a:extLst>
+          </a:blip>
+          <a:stretch>
+            <a:fillRect/>
+          </a:stretch>
+        </p:blipFill>
+        <p:spPr>
+          <a:xfrm>
+            <a:off x="5951035" y="4172855"/>
+            <a:ext cx="531877" cy="531877"/>
+          </a:xfrm>
+          <a:prstGeom prst="rect">
+            <a:avLst/>
+          </a:prstGeom>
+        </p:spPr>
+      </p:pic>
+      <p:sp>
+        <p:nvSpPr>
+          <p:cNvPr id="41" name="Rounded Rectangle 40"/>
+          <p:cNvSpPr/>
+          <p:nvPr/>
+        </p:nvSpPr>
+        <p:spPr>
+          <a:xfrm>
+            <a:off x="5941416" y="4806230"/>
+            <a:ext cx="1584803" cy="494774"/>
+          </a:xfrm>
+          <a:prstGeom prst="roundRect">
+            <a:avLst/>
+          </a:prstGeom>
+          <a:solidFill>
+            <a:schemeClr val="accent6">
+              <a:lumMod val="40000"/>
+              <a:lumOff val="60000"/>
+            </a:schemeClr>
+          </a:solidFill>
+          <a:ln w="28575"/>
+        </p:spPr>
+        <p:style>
+          <a:lnRef idx="2">
+            <a:schemeClr val="accent1">
+              <a:shade val="50000"/>
+            </a:schemeClr>
+          </a:lnRef>
+          <a:fillRef idx="1">
+            <a:schemeClr val="accent1"/>
+          </a:fillRef>
+          <a:effectRef idx="0">
+            <a:schemeClr val="accent1"/>
+          </a:effectRef>
+          <a:fontRef idx="minor">
+            <a:schemeClr val="lt1"/>
+          </a:fontRef>
+        </p:style>
+        <p:txBody>
+          <a:bodyPr rtlCol="0" anchor="ctr"/>
+          <a:lstStyle/>
+          <a:p>
+            <a:pPr algn="ctr"/>
+            <a:endParaRPr lang="zh-CN" altLang="en-US"/>
+          </a:p>
+        </p:txBody>
+      </p:sp>
+      <p:pic>
+        <p:nvPicPr>
+          <p:cNvPr id="42" name="Picture 41"/>
+          <p:cNvPicPr>
+            <a:picLocks noChangeAspect="1"/>
+          </p:cNvPicPr>
+          <p:nvPr/>
+        </p:nvPicPr>
+        <p:blipFill>
+          <a:blip r:embed="rId10" cstate="print">
+            <a:extLst>
+              <a:ext uri="{28A0092B-C50C-407E-A947-70E740481C1C}">
+                <a14:useLocalDpi xmlns:a14="http://schemas.microsoft.com/office/drawing/2010/main" val="0"/>
+              </a:ext>
+            </a:extLst>
+          </a:blip>
+          <a:stretch>
+            <a:fillRect/>
+          </a:stretch>
+        </p:blipFill>
+        <p:spPr>
+          <a:xfrm>
+            <a:off x="5933043" y="4783878"/>
+            <a:ext cx="566634" cy="566634"/>
+          </a:xfrm>
+          <a:prstGeom prst="rect">
+            <a:avLst/>
+          </a:prstGeom>
+        </p:spPr>
+      </p:pic>
+      <p:sp>
+        <p:nvSpPr>
+          <p:cNvPr id="43" name="Rectangle 42"/>
+          <p:cNvSpPr/>
+          <p:nvPr/>
+        </p:nvSpPr>
+        <p:spPr>
+          <a:xfrm>
+            <a:off x="6347653" y="4885376"/>
+            <a:ext cx="1141543" cy="369332"/>
+          </a:xfrm>
+          <a:prstGeom prst="rect">
+            <a:avLst/>
+          </a:prstGeom>
+        </p:spPr>
+        <p:txBody>
+          <a:bodyPr wrap="square">
+            <a:spAutoFit/>
+          </a:bodyPr>
+          <a:lstStyle/>
+          <a:p>
+            <a:pPr algn="ctr"/>
+            <a:r>
+              <a:rPr lang="zh-CN" altLang="en-US" b="1" dirty="0" smtClean="0">
+                <a:solidFill>
+                  <a:schemeClr val="tx2">
+                    <a:lumMod val="75000"/>
+                  </a:schemeClr>
+                </a:solidFill>
+              </a:rPr>
+              <a:t>连接正常</a:t>
+            </a:r>
+            <a:endParaRPr lang="zh-CN" altLang="en-US" b="1" dirty="0">
+              <a:solidFill>
+                <a:schemeClr val="tx2">
+                  <a:lumMod val="75000"/>
+                </a:schemeClr>
+              </a:solidFill>
+            </a:endParaRPr>
+          </a:p>
+        </p:txBody>
+      </p:sp>
     </p:spTree>
     <p:extLst>
       <p:ext uri="{BB962C8B-B14F-4D97-AF65-F5344CB8AC3E}">
@@ -10096,7 +10744,44 @@
       </a:bgFillStyleLst>
     </a:fmtScheme>
   </a:themeElements>
-  <a:objectDefaults/>
+  <a:objectDefaults>
+    <a:spDef>
+      <a:spPr>
+        <a:solidFill>
+          <a:srgbClr val="B2B1B1"/>
+        </a:solidFill>
+        <a:ln>
+          <a:noFill/>
+        </a:ln>
+      </a:spPr>
+      <a:bodyPr rtlCol="0" anchor="ctr"/>
+      <a:lstStyle>
+        <a:defPPr algn="ctr">
+          <a:defRPr sz="2400" dirty="0">
+            <a:solidFill>
+              <a:schemeClr val="bg1"/>
+            </a:solidFill>
+          </a:defRPr>
+        </a:defPPr>
+      </a:lstStyle>
+      <a:style>
+        <a:lnRef idx="2">
+          <a:schemeClr val="accent1">
+            <a:shade val="50000"/>
+          </a:schemeClr>
+        </a:lnRef>
+        <a:fillRef idx="1">
+          <a:schemeClr val="accent1"/>
+        </a:fillRef>
+        <a:effectRef idx="0">
+          <a:schemeClr val="accent1"/>
+        </a:effectRef>
+        <a:fontRef idx="minor">
+          <a:schemeClr val="lt1"/>
+        </a:fontRef>
+      </a:style>
+    </a:spDef>
+  </a:objectDefaults>
   <a:extraClrSchemeLst/>
   <a:extLst>
     <a:ext uri="{05A4C25C-085E-4340-85A3-A5531E510DB2}">

--- a/IconMaking.pptx
+++ b/IconMaking.pptx
@@ -206,7 +206,7 @@
           <a:p>
             <a:fld id="{40A0BA74-8C42-4F1D-A1F6-0A66BF08E47B}" type="datetimeFigureOut">
               <a:rPr lang="zh-CN" altLang="en-US" smtClean="0"/>
-              <a:t>2017/11/18</a:t>
+              <a:t>2017/11/19</a:t>
             </a:fld>
             <a:endParaRPr lang="zh-CN" altLang="en-US"/>
           </a:p>
@@ -689,7 +689,7 @@
           <a:p>
             <a:fld id="{E76364C4-1C59-4B76-857D-30E892CDC99E}" type="datetimeFigureOut">
               <a:rPr lang="zh-CN" altLang="en-US" smtClean="0"/>
-              <a:t>2017/11/18</a:t>
+              <a:t>2017/11/19</a:t>
             </a:fld>
             <a:endParaRPr lang="zh-CN" altLang="en-US"/>
           </a:p>
@@ -859,7 +859,7 @@
           <a:p>
             <a:fld id="{E76364C4-1C59-4B76-857D-30E892CDC99E}" type="datetimeFigureOut">
               <a:rPr lang="zh-CN" altLang="en-US" smtClean="0"/>
-              <a:t>2017/11/18</a:t>
+              <a:t>2017/11/19</a:t>
             </a:fld>
             <a:endParaRPr lang="zh-CN" altLang="en-US"/>
           </a:p>
@@ -1039,7 +1039,7 @@
           <a:p>
             <a:fld id="{E76364C4-1C59-4B76-857D-30E892CDC99E}" type="datetimeFigureOut">
               <a:rPr lang="zh-CN" altLang="en-US" smtClean="0"/>
-              <a:t>2017/11/18</a:t>
+              <a:t>2017/11/19</a:t>
             </a:fld>
             <a:endParaRPr lang="zh-CN" altLang="en-US"/>
           </a:p>
@@ -1209,7 +1209,7 @@
           <a:p>
             <a:fld id="{E76364C4-1C59-4B76-857D-30E892CDC99E}" type="datetimeFigureOut">
               <a:rPr lang="zh-CN" altLang="en-US" smtClean="0"/>
-              <a:t>2017/11/18</a:t>
+              <a:t>2017/11/19</a:t>
             </a:fld>
             <a:endParaRPr lang="zh-CN" altLang="en-US"/>
           </a:p>
@@ -1453,7 +1453,7 @@
           <a:p>
             <a:fld id="{E76364C4-1C59-4B76-857D-30E892CDC99E}" type="datetimeFigureOut">
               <a:rPr lang="zh-CN" altLang="en-US" smtClean="0"/>
-              <a:t>2017/11/18</a:t>
+              <a:t>2017/11/19</a:t>
             </a:fld>
             <a:endParaRPr lang="zh-CN" altLang="en-US"/>
           </a:p>
@@ -1685,7 +1685,7 @@
           <a:p>
             <a:fld id="{E76364C4-1C59-4B76-857D-30E892CDC99E}" type="datetimeFigureOut">
               <a:rPr lang="zh-CN" altLang="en-US" smtClean="0"/>
-              <a:t>2017/11/18</a:t>
+              <a:t>2017/11/19</a:t>
             </a:fld>
             <a:endParaRPr lang="zh-CN" altLang="en-US"/>
           </a:p>
@@ -2052,7 +2052,7 @@
           <a:p>
             <a:fld id="{E76364C4-1C59-4B76-857D-30E892CDC99E}" type="datetimeFigureOut">
               <a:rPr lang="zh-CN" altLang="en-US" smtClean="0"/>
-              <a:t>2017/11/18</a:t>
+              <a:t>2017/11/19</a:t>
             </a:fld>
             <a:endParaRPr lang="zh-CN" altLang="en-US"/>
           </a:p>
@@ -2170,7 +2170,7 @@
           <a:p>
             <a:fld id="{E76364C4-1C59-4B76-857D-30E892CDC99E}" type="datetimeFigureOut">
               <a:rPr lang="zh-CN" altLang="en-US" smtClean="0"/>
-              <a:t>2017/11/18</a:t>
+              <a:t>2017/11/19</a:t>
             </a:fld>
             <a:endParaRPr lang="zh-CN" altLang="en-US"/>
           </a:p>
@@ -2265,7 +2265,7 @@
           <a:p>
             <a:fld id="{E76364C4-1C59-4B76-857D-30E892CDC99E}" type="datetimeFigureOut">
               <a:rPr lang="zh-CN" altLang="en-US" smtClean="0"/>
-              <a:t>2017/11/18</a:t>
+              <a:t>2017/11/19</a:t>
             </a:fld>
             <a:endParaRPr lang="zh-CN" altLang="en-US"/>
           </a:p>
@@ -2542,7 +2542,7 @@
           <a:p>
             <a:fld id="{E76364C4-1C59-4B76-857D-30E892CDC99E}" type="datetimeFigureOut">
               <a:rPr lang="zh-CN" altLang="en-US" smtClean="0"/>
-              <a:t>2017/11/18</a:t>
+              <a:t>2017/11/19</a:t>
             </a:fld>
             <a:endParaRPr lang="zh-CN" altLang="en-US"/>
           </a:p>
@@ -2799,7 +2799,7 @@
           <a:p>
             <a:fld id="{E76364C4-1C59-4B76-857D-30E892CDC99E}" type="datetimeFigureOut">
               <a:rPr lang="zh-CN" altLang="en-US" smtClean="0"/>
-              <a:t>2017/11/18</a:t>
+              <a:t>2017/11/19</a:t>
             </a:fld>
             <a:endParaRPr lang="zh-CN" altLang="en-US"/>
           </a:p>
@@ -3012,7 +3012,7 @@
           <a:p>
             <a:fld id="{E76364C4-1C59-4B76-857D-30E892CDC99E}" type="datetimeFigureOut">
               <a:rPr lang="zh-CN" altLang="en-US" smtClean="0"/>
-              <a:t>2017/11/18</a:t>
+              <a:t>2017/11/19</a:t>
             </a:fld>
             <a:endParaRPr lang="zh-CN" altLang="en-US"/>
           </a:p>
@@ -9176,36 +9176,6 @@
           </a:prstGeom>
         </p:spPr>
       </p:pic>
-      <p:pic>
-        <p:nvPicPr>
-          <p:cNvPr id="18" name="Picture 17"/>
-          <p:cNvPicPr>
-            <a:picLocks noChangeAspect="1"/>
-          </p:cNvPicPr>
-          <p:nvPr/>
-        </p:nvPicPr>
-        <p:blipFill>
-          <a:blip r:embed="rId7" cstate="print">
-            <a:extLst>
-              <a:ext uri="{28A0092B-C50C-407E-A947-70E740481C1C}">
-                <a14:useLocalDpi xmlns:a14="http://schemas.microsoft.com/office/drawing/2010/main" val="0"/>
-              </a:ext>
-            </a:extLst>
-          </a:blip>
-          <a:stretch>
-            <a:fillRect/>
-          </a:stretch>
-        </p:blipFill>
-        <p:spPr>
-          <a:xfrm>
-            <a:off x="141165" y="4534282"/>
-            <a:ext cx="709415" cy="709415"/>
-          </a:xfrm>
-          <a:prstGeom prst="rect">
-            <a:avLst/>
-          </a:prstGeom>
-        </p:spPr>
-      </p:pic>
       <p:sp>
         <p:nvSpPr>
           <p:cNvPr id="19" name="Rectangle 18"/>
@@ -10048,9 +10018,60 @@
           </a:prstGeom>
         </p:spPr>
       </p:pic>
+      <p:sp>
+        <p:nvSpPr>
+          <p:cNvPr id="34" name="Oval 33"/>
+          <p:cNvSpPr/>
+          <p:nvPr/>
+        </p:nvSpPr>
+        <p:spPr>
+          <a:xfrm>
+            <a:off x="5875615" y="2789961"/>
+            <a:ext cx="720000" cy="720000"/>
+          </a:xfrm>
+          <a:prstGeom prst="ellipse">
+            <a:avLst/>
+          </a:prstGeom>
+          <a:solidFill>
+            <a:schemeClr val="accent5">
+              <a:lumMod val="60000"/>
+              <a:lumOff val="40000"/>
+            </a:schemeClr>
+          </a:solidFill>
+          <a:ln w="38100">
+            <a:solidFill>
+              <a:srgbClr val="FF0000"/>
+            </a:solidFill>
+          </a:ln>
+        </p:spPr>
+        <p:style>
+          <a:lnRef idx="2">
+            <a:schemeClr val="accent1">
+              <a:shade val="50000"/>
+            </a:schemeClr>
+          </a:lnRef>
+          <a:fillRef idx="1">
+            <a:schemeClr val="accent1"/>
+          </a:fillRef>
+          <a:effectRef idx="0">
+            <a:schemeClr val="accent1"/>
+          </a:effectRef>
+          <a:fontRef idx="minor">
+            <a:schemeClr val="lt1"/>
+          </a:fontRef>
+        </p:style>
+        <p:txBody>
+          <a:bodyPr rtlCol="0" anchor="ctr"/>
+          <a:lstStyle/>
+          <a:p>
+            <a:pPr algn="ctr"/>
+            <a:endParaRPr lang="zh-CN" altLang="en-US"/>
+          </a:p>
+        </p:txBody>
+      </p:sp>
       <p:pic>
         <p:nvPicPr>
-          <p:cNvPr id="33" name="Picture 32"/>
+          <p:cNvPr id="35" name="Picture 34"/>
           <p:cNvPicPr>
             <a:picLocks noChangeAspect="1"/>
           </p:cNvPicPr>
@@ -10070,87 +10091,6 @@
         </p:blipFill>
         <p:spPr>
           <a:xfrm>
-            <a:off x="2048475" y="4534282"/>
-            <a:ext cx="709415" cy="709415"/>
-          </a:xfrm>
-          <a:prstGeom prst="rect">
-            <a:avLst/>
-          </a:prstGeom>
-        </p:spPr>
-      </p:pic>
-      <p:sp>
-        <p:nvSpPr>
-          <p:cNvPr id="34" name="Oval 33"/>
-          <p:cNvSpPr/>
-          <p:nvPr/>
-        </p:nvSpPr>
-        <p:spPr>
-          <a:xfrm>
-            <a:off x="5875615" y="2789961"/>
-            <a:ext cx="720000" cy="720000"/>
-          </a:xfrm>
-          <a:prstGeom prst="ellipse">
-            <a:avLst/>
-          </a:prstGeom>
-          <a:solidFill>
-            <a:schemeClr val="accent5">
-              <a:lumMod val="60000"/>
-              <a:lumOff val="40000"/>
-            </a:schemeClr>
-          </a:solidFill>
-          <a:ln w="38100">
-            <a:solidFill>
-              <a:srgbClr val="FF0000"/>
-            </a:solidFill>
-          </a:ln>
-        </p:spPr>
-        <p:style>
-          <a:lnRef idx="2">
-            <a:schemeClr val="accent1">
-              <a:shade val="50000"/>
-            </a:schemeClr>
-          </a:lnRef>
-          <a:fillRef idx="1">
-            <a:schemeClr val="accent1"/>
-          </a:fillRef>
-          <a:effectRef idx="0">
-            <a:schemeClr val="accent1"/>
-          </a:effectRef>
-          <a:fontRef idx="minor">
-            <a:schemeClr val="lt1"/>
-          </a:fontRef>
-        </p:style>
-        <p:txBody>
-          <a:bodyPr rtlCol="0" anchor="ctr"/>
-          <a:lstStyle/>
-          <a:p>
-            <a:pPr algn="ctr"/>
-            <a:endParaRPr lang="zh-CN" altLang="en-US"/>
-          </a:p>
-        </p:txBody>
-      </p:sp>
-      <p:pic>
-        <p:nvPicPr>
-          <p:cNvPr id="35" name="Picture 34"/>
-          <p:cNvPicPr>
-            <a:picLocks noChangeAspect="1"/>
-          </p:cNvPicPr>
-          <p:nvPr/>
-        </p:nvPicPr>
-        <p:blipFill>
-          <a:blip r:embed="rId8" cstate="print">
-            <a:extLst>
-              <a:ext uri="{28A0092B-C50C-407E-A947-70E740481C1C}">
-                <a14:useLocalDpi xmlns:a14="http://schemas.microsoft.com/office/drawing/2010/main" val="0"/>
-              </a:ext>
-            </a:extLst>
-          </a:blip>
-          <a:stretch>
-            <a:fillRect/>
-          </a:stretch>
-        </p:blipFill>
-        <p:spPr>
-          <a:xfrm>
             <a:off x="5933043" y="2853958"/>
             <a:ext cx="605144" cy="605144"/>
           </a:xfrm>
@@ -10216,7 +10156,7 @@
           <p:nvPr/>
         </p:nvPicPr>
         <p:blipFill>
-          <a:blip r:embed="rId8" cstate="print">
+          <a:blip r:embed="rId7" cstate="print">
             <a:extLst>
               <a:ext uri="{28A0092B-C50C-407E-A947-70E740481C1C}">
                 <a14:useLocalDpi xmlns:a14="http://schemas.microsoft.com/office/drawing/2010/main" val="0"/>
@@ -10332,7 +10272,7 @@
           <p:nvPr/>
         </p:nvPicPr>
         <p:blipFill>
-          <a:blip r:embed="rId9" cstate="print">
+          <a:blip r:embed="rId8" cstate="print">
             <a:extLst>
               <a:ext uri="{28A0092B-C50C-407E-A947-70E740481C1C}">
                 <a14:useLocalDpi xmlns:a14="http://schemas.microsoft.com/office/drawing/2010/main" val="0"/>
@@ -10409,7 +10349,7 @@
           <p:nvPr/>
         </p:nvPicPr>
         <p:blipFill>
-          <a:blip r:embed="rId10" cstate="print">
+          <a:blip r:embed="rId9" cstate="print">
             <a:extLst>
               <a:ext uri="{28A0092B-C50C-407E-A947-70E740481C1C}">
                 <a14:useLocalDpi xmlns:a14="http://schemas.microsoft.com/office/drawing/2010/main" val="0"/>
@@ -10472,6 +10412,225 @@
           </a:p>
         </p:txBody>
       </p:sp>
+      <p:pic>
+        <p:nvPicPr>
+          <p:cNvPr id="2" name="Picture 1"/>
+          <p:cNvPicPr>
+            <a:picLocks noChangeAspect="1"/>
+          </p:cNvPicPr>
+          <p:nvPr/>
+        </p:nvPicPr>
+        <p:blipFill>
+          <a:blip r:embed="rId10" cstate="print">
+            <a:extLst>
+              <a:ext uri="{28A0092B-C50C-407E-A947-70E740481C1C}">
+                <a14:useLocalDpi xmlns:a14="http://schemas.microsoft.com/office/drawing/2010/main" val="0"/>
+              </a:ext>
+            </a:extLst>
+          </a:blip>
+          <a:stretch>
+            <a:fillRect/>
+          </a:stretch>
+        </p:blipFill>
+        <p:spPr>
+          <a:xfrm>
+            <a:off x="191815" y="4617306"/>
+            <a:ext cx="626391" cy="626391"/>
+          </a:xfrm>
+          <a:prstGeom prst="rect">
+            <a:avLst/>
+          </a:prstGeom>
+        </p:spPr>
+      </p:pic>
+      <p:pic>
+        <p:nvPicPr>
+          <p:cNvPr id="44" name="Picture 43"/>
+          <p:cNvPicPr>
+            <a:picLocks noChangeAspect="1"/>
+          </p:cNvPicPr>
+          <p:nvPr/>
+        </p:nvPicPr>
+        <p:blipFill>
+          <a:blip r:embed="rId10" cstate="print">
+            <a:extLst>
+              <a:ext uri="{28A0092B-C50C-407E-A947-70E740481C1C}">
+                <a14:useLocalDpi xmlns:a14="http://schemas.microsoft.com/office/drawing/2010/main" val="0"/>
+              </a:ext>
+            </a:extLst>
+          </a:blip>
+          <a:stretch>
+            <a:fillRect/>
+          </a:stretch>
+        </p:blipFill>
+        <p:spPr>
+          <a:xfrm>
+            <a:off x="2105950" y="4619621"/>
+            <a:ext cx="626391" cy="626391"/>
+          </a:xfrm>
+          <a:prstGeom prst="rect">
+            <a:avLst/>
+          </a:prstGeom>
+        </p:spPr>
+      </p:pic>
+      <p:sp>
+        <p:nvSpPr>
+          <p:cNvPr id="45" name="Rectangle 44"/>
+          <p:cNvSpPr/>
+          <p:nvPr/>
+        </p:nvSpPr>
+        <p:spPr>
+          <a:xfrm>
+            <a:off x="3377799" y="696120"/>
+            <a:ext cx="999067" cy="937947"/>
+          </a:xfrm>
+          <a:prstGeom prst="rect">
+            <a:avLst/>
+          </a:prstGeom>
+          <a:solidFill>
+            <a:schemeClr val="tx2">
+              <a:lumMod val="20000"/>
+              <a:lumOff val="80000"/>
+            </a:schemeClr>
+          </a:solidFill>
+          <a:ln>
+            <a:solidFill>
+              <a:schemeClr val="bg1"/>
+            </a:solidFill>
+          </a:ln>
+        </p:spPr>
+        <p:style>
+          <a:lnRef idx="2">
+            <a:schemeClr val="accent1">
+              <a:shade val="50000"/>
+            </a:schemeClr>
+          </a:lnRef>
+          <a:fillRef idx="1">
+            <a:schemeClr val="accent1"/>
+          </a:fillRef>
+          <a:effectRef idx="0">
+            <a:schemeClr val="accent1"/>
+          </a:effectRef>
+          <a:fontRef idx="minor">
+            <a:schemeClr val="lt1"/>
+          </a:fontRef>
+        </p:style>
+        <p:txBody>
+          <a:bodyPr rtlCol="0" anchor="ctr"/>
+          <a:lstStyle/>
+          <a:p>
+            <a:pPr algn="ctr"/>
+            <a:endParaRPr lang="zh-CN" altLang="en-US"/>
+          </a:p>
+        </p:txBody>
+      </p:sp>
+      <p:pic>
+        <p:nvPicPr>
+          <p:cNvPr id="3" name="Picture 2"/>
+          <p:cNvPicPr>
+            <a:picLocks noChangeAspect="1"/>
+          </p:cNvPicPr>
+          <p:nvPr/>
+        </p:nvPicPr>
+        <p:blipFill>
+          <a:blip r:embed="rId11" cstate="print">
+            <a:extLst>
+              <a:ext uri="{28A0092B-C50C-407E-A947-70E740481C1C}">
+                <a14:useLocalDpi xmlns:a14="http://schemas.microsoft.com/office/drawing/2010/main" val="0"/>
+              </a:ext>
+            </a:extLst>
+          </a:blip>
+          <a:stretch>
+            <a:fillRect/>
+          </a:stretch>
+        </p:blipFill>
+        <p:spPr>
+          <a:xfrm>
+            <a:off x="3483772" y="916056"/>
+            <a:ext cx="787120" cy="574540"/>
+          </a:xfrm>
+          <a:prstGeom prst="rect">
+            <a:avLst/>
+          </a:prstGeom>
+        </p:spPr>
+      </p:pic>
+      <p:sp>
+        <p:nvSpPr>
+          <p:cNvPr id="49" name="Rectangle 48"/>
+          <p:cNvSpPr/>
+          <p:nvPr/>
+        </p:nvSpPr>
+        <p:spPr>
+          <a:xfrm>
+            <a:off x="4482839" y="696120"/>
+            <a:ext cx="999067" cy="937947"/>
+          </a:xfrm>
+          <a:prstGeom prst="rect">
+            <a:avLst/>
+          </a:prstGeom>
+          <a:solidFill>
+            <a:srgbClr val="FFFF00"/>
+          </a:solidFill>
+          <a:ln>
+            <a:solidFill>
+              <a:schemeClr val="bg1"/>
+            </a:solidFill>
+          </a:ln>
+        </p:spPr>
+        <p:style>
+          <a:lnRef idx="2">
+            <a:schemeClr val="accent1">
+              <a:shade val="50000"/>
+            </a:schemeClr>
+          </a:lnRef>
+          <a:fillRef idx="1">
+            <a:schemeClr val="accent1"/>
+          </a:fillRef>
+          <a:effectRef idx="0">
+            <a:schemeClr val="accent1"/>
+          </a:effectRef>
+          <a:fontRef idx="minor">
+            <a:schemeClr val="lt1"/>
+          </a:fontRef>
+        </p:style>
+        <p:txBody>
+          <a:bodyPr rtlCol="0" anchor="ctr"/>
+          <a:lstStyle/>
+          <a:p>
+            <a:pPr algn="ctr"/>
+            <a:endParaRPr lang="zh-CN" altLang="en-US"/>
+          </a:p>
+        </p:txBody>
+      </p:sp>
+      <p:pic>
+        <p:nvPicPr>
+          <p:cNvPr id="50" name="Picture 49"/>
+          <p:cNvPicPr>
+            <a:picLocks noChangeAspect="1"/>
+          </p:cNvPicPr>
+          <p:nvPr/>
+        </p:nvPicPr>
+        <p:blipFill>
+          <a:blip r:embed="rId11" cstate="print">
+            <a:extLst>
+              <a:ext uri="{28A0092B-C50C-407E-A947-70E740481C1C}">
+                <a14:useLocalDpi xmlns:a14="http://schemas.microsoft.com/office/drawing/2010/main" val="0"/>
+              </a:ext>
+            </a:extLst>
+          </a:blip>
+          <a:stretch>
+            <a:fillRect/>
+          </a:stretch>
+        </p:blipFill>
+        <p:spPr>
+          <a:xfrm>
+            <a:off x="4588812" y="916056"/>
+            <a:ext cx="787120" cy="574540"/>
+          </a:xfrm>
+          <a:prstGeom prst="rect">
+            <a:avLst/>
+          </a:prstGeom>
+        </p:spPr>
+      </p:pic>
     </p:spTree>
     <p:extLst>
       <p:ext uri="{BB962C8B-B14F-4D97-AF65-F5344CB8AC3E}">

--- a/IconMaking.pptx
+++ b/IconMaking.pptx
@@ -206,7 +206,7 @@
           <a:p>
             <a:fld id="{40A0BA74-8C42-4F1D-A1F6-0A66BF08E47B}" type="datetimeFigureOut">
               <a:rPr lang="zh-CN" altLang="en-US" smtClean="0"/>
-              <a:t>2017/11/19</a:t>
+              <a:t>2017/11/20</a:t>
             </a:fld>
             <a:endParaRPr lang="zh-CN" altLang="en-US"/>
           </a:p>
@@ -689,7 +689,7 @@
           <a:p>
             <a:fld id="{E76364C4-1C59-4B76-857D-30E892CDC99E}" type="datetimeFigureOut">
               <a:rPr lang="zh-CN" altLang="en-US" smtClean="0"/>
-              <a:t>2017/11/19</a:t>
+              <a:t>2017/11/20</a:t>
             </a:fld>
             <a:endParaRPr lang="zh-CN" altLang="en-US"/>
           </a:p>
@@ -859,7 +859,7 @@
           <a:p>
             <a:fld id="{E76364C4-1C59-4B76-857D-30E892CDC99E}" type="datetimeFigureOut">
               <a:rPr lang="zh-CN" altLang="en-US" smtClean="0"/>
-              <a:t>2017/11/19</a:t>
+              <a:t>2017/11/20</a:t>
             </a:fld>
             <a:endParaRPr lang="zh-CN" altLang="en-US"/>
           </a:p>
@@ -1039,7 +1039,7 @@
           <a:p>
             <a:fld id="{E76364C4-1C59-4B76-857D-30E892CDC99E}" type="datetimeFigureOut">
               <a:rPr lang="zh-CN" altLang="en-US" smtClean="0"/>
-              <a:t>2017/11/19</a:t>
+              <a:t>2017/11/20</a:t>
             </a:fld>
             <a:endParaRPr lang="zh-CN" altLang="en-US"/>
           </a:p>
@@ -1209,7 +1209,7 @@
           <a:p>
             <a:fld id="{E76364C4-1C59-4B76-857D-30E892CDC99E}" type="datetimeFigureOut">
               <a:rPr lang="zh-CN" altLang="en-US" smtClean="0"/>
-              <a:t>2017/11/19</a:t>
+              <a:t>2017/11/20</a:t>
             </a:fld>
             <a:endParaRPr lang="zh-CN" altLang="en-US"/>
           </a:p>
@@ -1453,7 +1453,7 @@
           <a:p>
             <a:fld id="{E76364C4-1C59-4B76-857D-30E892CDC99E}" type="datetimeFigureOut">
               <a:rPr lang="zh-CN" altLang="en-US" smtClean="0"/>
-              <a:t>2017/11/19</a:t>
+              <a:t>2017/11/20</a:t>
             </a:fld>
             <a:endParaRPr lang="zh-CN" altLang="en-US"/>
           </a:p>
@@ -1685,7 +1685,7 @@
           <a:p>
             <a:fld id="{E76364C4-1C59-4B76-857D-30E892CDC99E}" type="datetimeFigureOut">
               <a:rPr lang="zh-CN" altLang="en-US" smtClean="0"/>
-              <a:t>2017/11/19</a:t>
+              <a:t>2017/11/20</a:t>
             </a:fld>
             <a:endParaRPr lang="zh-CN" altLang="en-US"/>
           </a:p>
@@ -2052,7 +2052,7 @@
           <a:p>
             <a:fld id="{E76364C4-1C59-4B76-857D-30E892CDC99E}" type="datetimeFigureOut">
               <a:rPr lang="zh-CN" altLang="en-US" smtClean="0"/>
-              <a:t>2017/11/19</a:t>
+              <a:t>2017/11/20</a:t>
             </a:fld>
             <a:endParaRPr lang="zh-CN" altLang="en-US"/>
           </a:p>
@@ -2170,7 +2170,7 @@
           <a:p>
             <a:fld id="{E76364C4-1C59-4B76-857D-30E892CDC99E}" type="datetimeFigureOut">
               <a:rPr lang="zh-CN" altLang="en-US" smtClean="0"/>
-              <a:t>2017/11/19</a:t>
+              <a:t>2017/11/20</a:t>
             </a:fld>
             <a:endParaRPr lang="zh-CN" altLang="en-US"/>
           </a:p>
@@ -2265,7 +2265,7 @@
           <a:p>
             <a:fld id="{E76364C4-1C59-4B76-857D-30E892CDC99E}" type="datetimeFigureOut">
               <a:rPr lang="zh-CN" altLang="en-US" smtClean="0"/>
-              <a:t>2017/11/19</a:t>
+              <a:t>2017/11/20</a:t>
             </a:fld>
             <a:endParaRPr lang="zh-CN" altLang="en-US"/>
           </a:p>
@@ -2542,7 +2542,7 @@
           <a:p>
             <a:fld id="{E76364C4-1C59-4B76-857D-30E892CDC99E}" type="datetimeFigureOut">
               <a:rPr lang="zh-CN" altLang="en-US" smtClean="0"/>
-              <a:t>2017/11/19</a:t>
+              <a:t>2017/11/20</a:t>
             </a:fld>
             <a:endParaRPr lang="zh-CN" altLang="en-US"/>
           </a:p>
@@ -2799,7 +2799,7 @@
           <a:p>
             <a:fld id="{E76364C4-1C59-4B76-857D-30E892CDC99E}" type="datetimeFigureOut">
               <a:rPr lang="zh-CN" altLang="en-US" smtClean="0"/>
-              <a:t>2017/11/19</a:t>
+              <a:t>2017/11/20</a:t>
             </a:fld>
             <a:endParaRPr lang="zh-CN" altLang="en-US"/>
           </a:p>
@@ -3012,7 +3012,7 @@
           <a:p>
             <a:fld id="{E76364C4-1C59-4B76-857D-30E892CDC99E}" type="datetimeFigureOut">
               <a:rPr lang="zh-CN" altLang="en-US" smtClean="0"/>
-              <a:t>2017/11/19</a:t>
+              <a:t>2017/11/20</a:t>
             </a:fld>
             <a:endParaRPr lang="zh-CN" altLang="en-US"/>
           </a:p>
@@ -6699,6 +6699,355 @@
           </a:prstGeom>
         </p:spPr>
       </p:pic>
+      <p:sp>
+        <p:nvSpPr>
+          <p:cNvPr id="11" name="Rounded Rectangle 10"/>
+          <p:cNvSpPr>
+            <a:spLocks/>
+          </p:cNvSpPr>
+          <p:nvPr/>
+        </p:nvSpPr>
+        <p:spPr>
+          <a:xfrm>
+            <a:off x="4000661" y="2093242"/>
+            <a:ext cx="1209979" cy="509145"/>
+          </a:xfrm>
+          <a:prstGeom prst="roundRect">
+            <a:avLst>
+              <a:gd name="adj" fmla="val 21643"/>
+            </a:avLst>
+          </a:prstGeom>
+          <a:gradFill flip="none" rotWithShape="1">
+            <a:gsLst>
+              <a:gs pos="0">
+                <a:srgbClr val="5F7DA9"/>
+              </a:gs>
+              <a:gs pos="100000">
+                <a:srgbClr val="344B64"/>
+              </a:gs>
+            </a:gsLst>
+            <a:lin ang="5400000" scaled="1"/>
+            <a:tileRect/>
+          </a:gradFill>
+          <a:ln>
+            <a:noFill/>
+          </a:ln>
+        </p:spPr>
+        <p:style>
+          <a:lnRef idx="2">
+            <a:schemeClr val="accent1">
+              <a:shade val="50000"/>
+            </a:schemeClr>
+          </a:lnRef>
+          <a:fillRef idx="1">
+            <a:schemeClr val="accent1"/>
+          </a:fillRef>
+          <a:effectRef idx="0">
+            <a:schemeClr val="accent1"/>
+          </a:effectRef>
+          <a:fontRef idx="minor">
+            <a:schemeClr val="lt1"/>
+          </a:fontRef>
+        </p:style>
+        <p:txBody>
+          <a:bodyPr rtlCol="0" anchor="ctr"/>
+          <a:lstStyle/>
+          <a:p>
+            <a:pPr algn="ctr"/>
+            <a:endParaRPr lang="zh-CN" altLang="en-US"/>
+          </a:p>
+        </p:txBody>
+      </p:sp>
+      <p:sp>
+        <p:nvSpPr>
+          <p:cNvPr id="13" name="TextBox 12"/>
+          <p:cNvSpPr txBox="1"/>
+          <p:nvPr/>
+        </p:nvSpPr>
+        <p:spPr>
+          <a:xfrm>
+            <a:off x="4289783" y="2147759"/>
+            <a:ext cx="788414" cy="400110"/>
+          </a:xfrm>
+          <a:prstGeom prst="rect">
+            <a:avLst/>
+          </a:prstGeom>
+          <a:noFill/>
+        </p:spPr>
+        <p:txBody>
+          <a:bodyPr wrap="square" rtlCol="0">
+            <a:spAutoFit/>
+          </a:bodyPr>
+          <a:lstStyle/>
+          <a:p>
+            <a:r>
+              <a:rPr lang="zh-CN" altLang="en-US" sz="2000" dirty="0" smtClean="0">
+                <a:solidFill>
+                  <a:schemeClr val="bg1"/>
+                </a:solidFill>
+                <a:latin typeface="微软雅黑" panose="020B0503020204020204" pitchFamily="34" charset="-122"/>
+                <a:ea typeface="微软雅黑" panose="020B0503020204020204" pitchFamily="34" charset="-122"/>
+              </a:rPr>
+              <a:t>保存</a:t>
+            </a:r>
+            <a:endParaRPr lang="zh-CN" altLang="en-US" sz="2000" dirty="0">
+              <a:solidFill>
+                <a:schemeClr val="bg1"/>
+              </a:solidFill>
+              <a:latin typeface="微软雅黑" panose="020B0503020204020204" pitchFamily="34" charset="-122"/>
+              <a:ea typeface="微软雅黑" panose="020B0503020204020204" pitchFamily="34" charset="-122"/>
+            </a:endParaRPr>
+          </a:p>
+        </p:txBody>
+      </p:sp>
+      <p:sp>
+        <p:nvSpPr>
+          <p:cNvPr id="14" name="Rounded Rectangle 13"/>
+          <p:cNvSpPr>
+            <a:spLocks/>
+          </p:cNvSpPr>
+          <p:nvPr/>
+        </p:nvSpPr>
+        <p:spPr>
+          <a:xfrm>
+            <a:off x="3996132" y="3185723"/>
+            <a:ext cx="1440000" cy="889200"/>
+          </a:xfrm>
+          <a:prstGeom prst="roundRect">
+            <a:avLst>
+              <a:gd name="adj" fmla="val 21643"/>
+            </a:avLst>
+          </a:prstGeom>
+          <a:gradFill flip="none" rotWithShape="1">
+            <a:gsLst>
+              <a:gs pos="0">
+                <a:schemeClr val="bg2">
+                  <a:lumMod val="90000"/>
+                </a:schemeClr>
+              </a:gs>
+              <a:gs pos="100000">
+                <a:schemeClr val="tx2">
+                  <a:lumMod val="60000"/>
+                  <a:lumOff val="40000"/>
+                </a:schemeClr>
+              </a:gs>
+            </a:gsLst>
+            <a:lin ang="5400000" scaled="1"/>
+            <a:tileRect/>
+          </a:gradFill>
+          <a:ln>
+            <a:noFill/>
+          </a:ln>
+        </p:spPr>
+        <p:style>
+          <a:lnRef idx="2">
+            <a:schemeClr val="accent1">
+              <a:shade val="50000"/>
+            </a:schemeClr>
+          </a:lnRef>
+          <a:fillRef idx="1">
+            <a:schemeClr val="accent1"/>
+          </a:fillRef>
+          <a:effectRef idx="0">
+            <a:schemeClr val="accent1"/>
+          </a:effectRef>
+          <a:fontRef idx="minor">
+            <a:schemeClr val="lt1"/>
+          </a:fontRef>
+        </p:style>
+        <p:txBody>
+          <a:bodyPr rtlCol="0" anchor="ctr"/>
+          <a:lstStyle/>
+          <a:p>
+            <a:pPr algn="ctr"/>
+            <a:endParaRPr lang="zh-CN" altLang="en-US"/>
+          </a:p>
+        </p:txBody>
+      </p:sp>
+      <p:pic>
+        <p:nvPicPr>
+          <p:cNvPr id="15" name="Picture 14"/>
+          <p:cNvPicPr>
+            <a:picLocks noChangeAspect="1"/>
+          </p:cNvPicPr>
+          <p:nvPr/>
+        </p:nvPicPr>
+        <p:blipFill>
+          <a:blip r:embed="rId3" cstate="print">
+            <a:extLst>
+              <a:ext uri="{28A0092B-C50C-407E-A947-70E740481C1C}">
+                <a14:useLocalDpi xmlns:a14="http://schemas.microsoft.com/office/drawing/2010/main" val="0"/>
+              </a:ext>
+            </a:extLst>
+          </a:blip>
+          <a:stretch>
+            <a:fillRect/>
+          </a:stretch>
+        </p:blipFill>
+        <p:spPr>
+          <a:xfrm>
+            <a:off x="4228874" y="3377204"/>
+            <a:ext cx="455116" cy="455116"/>
+          </a:xfrm>
+          <a:prstGeom prst="rect">
+            <a:avLst/>
+          </a:prstGeom>
+        </p:spPr>
+      </p:pic>
+      <p:sp>
+        <p:nvSpPr>
+          <p:cNvPr id="16" name="TextBox 15"/>
+          <p:cNvSpPr txBox="1"/>
+          <p:nvPr/>
+        </p:nvSpPr>
+        <p:spPr>
+          <a:xfrm>
+            <a:off x="4622829" y="3495154"/>
+            <a:ext cx="587811" cy="307777"/>
+          </a:xfrm>
+          <a:prstGeom prst="rect">
+            <a:avLst/>
+          </a:prstGeom>
+          <a:noFill/>
+        </p:spPr>
+        <p:txBody>
+          <a:bodyPr wrap="square" rtlCol="0">
+            <a:spAutoFit/>
+          </a:bodyPr>
+          <a:lstStyle/>
+          <a:p>
+            <a:r>
+              <a:rPr lang="zh-CN" altLang="en-US" sz="1400" dirty="0">
+                <a:solidFill>
+                  <a:schemeClr val="bg1"/>
+                </a:solidFill>
+                <a:latin typeface="微软雅黑" panose="020B0503020204020204" pitchFamily="34" charset="-122"/>
+                <a:ea typeface="微软雅黑" panose="020B0503020204020204" pitchFamily="34" charset="-122"/>
+              </a:rPr>
+              <a:t>连接</a:t>
+            </a:r>
+          </a:p>
+        </p:txBody>
+      </p:sp>
+      <p:sp>
+        <p:nvSpPr>
+          <p:cNvPr id="17" name="Oval 16"/>
+          <p:cNvSpPr/>
+          <p:nvPr/>
+        </p:nvSpPr>
+        <p:spPr>
+          <a:xfrm>
+            <a:off x="117858" y="4580130"/>
+            <a:ext cx="1074817" cy="1025864"/>
+          </a:xfrm>
+          <a:prstGeom prst="ellipse">
+            <a:avLst/>
+          </a:prstGeom>
+          <a:gradFill flip="none" rotWithShape="1">
+            <a:gsLst>
+              <a:gs pos="0">
+                <a:srgbClr val="5F7DA9"/>
+              </a:gs>
+              <a:gs pos="100000">
+                <a:srgbClr val="344B64"/>
+              </a:gs>
+            </a:gsLst>
+            <a:lin ang="5400000" scaled="1"/>
+            <a:tileRect/>
+          </a:gradFill>
+          <a:ln>
+            <a:noFill/>
+          </a:ln>
+        </p:spPr>
+        <p:style>
+          <a:lnRef idx="2">
+            <a:schemeClr val="accent1">
+              <a:shade val="50000"/>
+            </a:schemeClr>
+          </a:lnRef>
+          <a:fillRef idx="1">
+            <a:schemeClr val="accent1"/>
+          </a:fillRef>
+          <a:effectRef idx="0">
+            <a:schemeClr val="accent1"/>
+          </a:effectRef>
+          <a:fontRef idx="minor">
+            <a:schemeClr val="lt1"/>
+          </a:fontRef>
+        </p:style>
+        <p:txBody>
+          <a:bodyPr rtlCol="0" anchor="ctr"/>
+          <a:lstStyle/>
+          <a:p>
+            <a:pPr algn="ctr"/>
+            <a:endParaRPr lang="zh-CN" altLang="en-US" sz="2000" b="1" dirty="0">
+              <a:solidFill>
+                <a:schemeClr val="tx1"/>
+              </a:solidFill>
+            </a:endParaRPr>
+          </a:p>
+        </p:txBody>
+      </p:sp>
+      <p:sp>
+        <p:nvSpPr>
+          <p:cNvPr id="19" name="Oval 18"/>
+          <p:cNvSpPr/>
+          <p:nvPr/>
+        </p:nvSpPr>
+        <p:spPr>
+          <a:xfrm>
+            <a:off x="1386786" y="4580130"/>
+            <a:ext cx="1074817" cy="1025864"/>
+          </a:xfrm>
+          <a:prstGeom prst="ellipse">
+            <a:avLst/>
+          </a:prstGeom>
+          <a:gradFill flip="none" rotWithShape="1">
+            <a:gsLst>
+              <a:gs pos="0">
+                <a:schemeClr val="bg2">
+                  <a:lumMod val="90000"/>
+                </a:schemeClr>
+              </a:gs>
+              <a:gs pos="100000">
+                <a:schemeClr val="tx2">
+                  <a:lumMod val="60000"/>
+                  <a:lumOff val="40000"/>
+                </a:schemeClr>
+              </a:gs>
+            </a:gsLst>
+            <a:lin ang="5400000" scaled="1"/>
+            <a:tileRect/>
+          </a:gradFill>
+          <a:ln>
+            <a:noFill/>
+          </a:ln>
+        </p:spPr>
+        <p:style>
+          <a:lnRef idx="2">
+            <a:schemeClr val="accent1">
+              <a:shade val="50000"/>
+            </a:schemeClr>
+          </a:lnRef>
+          <a:fillRef idx="1">
+            <a:schemeClr val="accent1"/>
+          </a:fillRef>
+          <a:effectRef idx="0">
+            <a:schemeClr val="accent1"/>
+          </a:effectRef>
+          <a:fontRef idx="minor">
+            <a:schemeClr val="lt1"/>
+          </a:fontRef>
+        </p:style>
+        <p:txBody>
+          <a:bodyPr rtlCol="0" anchor="ctr"/>
+          <a:lstStyle/>
+          <a:p>
+            <a:pPr algn="ctr"/>
+            <a:endParaRPr lang="zh-CN" altLang="en-US"/>
+          </a:p>
+        </p:txBody>
+      </p:sp>
     </p:spTree>
     <p:extLst>
       <p:ext uri="{BB962C8B-B14F-4D97-AF65-F5344CB8AC3E}">
